--- a/study/08. Docker로 애플리케이션 배포하기/Docker로 애플리케이션 배포하기.pptx
+++ b/study/08. Docker로 애플리케이션 배포하기/Docker로 애플리케이션 배포하기.pptx
@@ -222,7 +222,7 @@
           <a:p>
             <a:fld id="{A4CBD0C1-894D-4A2A-BDA5-78F0F2956493}" type="datetimeFigureOut">
               <a:rPr lang="ko-KR" altLang="en-US" smtClean="0"/>
-              <a:t>2020-07-15</a:t>
+              <a:t>2020-07-16</a:t>
             </a:fld>
             <a:endParaRPr lang="ko-KR" altLang="en-US"/>
           </a:p>
@@ -1211,7 +1211,7 @@
           <a:p>
             <a:fld id="{B6FB7DCD-5BA3-48A2-BE8C-591555253DD2}" type="datetimeFigureOut">
               <a:rPr lang="ko-KR" altLang="en-US" smtClean="0"/>
-              <a:t>2020-07-15</a:t>
+              <a:t>2020-07-16</a:t>
             </a:fld>
             <a:endParaRPr lang="ko-KR" altLang="en-US"/>
           </a:p>
@@ -1462,7 +1462,7 @@
           <a:p>
             <a:fld id="{B6FB7DCD-5BA3-48A2-BE8C-591555253DD2}" type="datetimeFigureOut">
               <a:rPr lang="ko-KR" altLang="en-US" smtClean="0"/>
-              <a:t>2020-07-15</a:t>
+              <a:t>2020-07-16</a:t>
             </a:fld>
             <a:endParaRPr lang="ko-KR" altLang="en-US"/>
           </a:p>
@@ -1776,7 +1776,7 @@
           <a:p>
             <a:fld id="{B6FB7DCD-5BA3-48A2-BE8C-591555253DD2}" type="datetimeFigureOut">
               <a:rPr lang="ko-KR" altLang="en-US" smtClean="0"/>
-              <a:t>2020-07-15</a:t>
+              <a:t>2020-07-16</a:t>
             </a:fld>
             <a:endParaRPr lang="ko-KR" altLang="en-US"/>
           </a:p>
@@ -2117,7 +2117,7 @@
           <a:p>
             <a:fld id="{B6FB7DCD-5BA3-48A2-BE8C-591555253DD2}" type="datetimeFigureOut">
               <a:rPr lang="ko-KR" altLang="en-US" smtClean="0"/>
-              <a:t>2020-07-15</a:t>
+              <a:t>2020-07-16</a:t>
             </a:fld>
             <a:endParaRPr lang="ko-KR" altLang="en-US"/>
           </a:p>
@@ -2431,7 +2431,7 @@
           <a:p>
             <a:fld id="{B6FB7DCD-5BA3-48A2-BE8C-591555253DD2}" type="datetimeFigureOut">
               <a:rPr lang="ko-KR" altLang="en-US" smtClean="0"/>
-              <a:t>2020-07-15</a:t>
+              <a:t>2020-07-16</a:t>
             </a:fld>
             <a:endParaRPr lang="ko-KR" altLang="en-US"/>
           </a:p>
@@ -2824,7 +2824,7 @@
           <a:p>
             <a:fld id="{B6FB7DCD-5BA3-48A2-BE8C-591555253DD2}" type="datetimeFigureOut">
               <a:rPr lang="ko-KR" altLang="en-US" smtClean="0"/>
-              <a:t>2020-07-15</a:t>
+              <a:t>2020-07-16</a:t>
             </a:fld>
             <a:endParaRPr lang="ko-KR" altLang="en-US"/>
           </a:p>
@@ -2994,7 +2994,7 @@
           <a:p>
             <a:fld id="{B6FB7DCD-5BA3-48A2-BE8C-591555253DD2}" type="datetimeFigureOut">
               <a:rPr lang="ko-KR" altLang="en-US" smtClean="0"/>
-              <a:t>2020-07-15</a:t>
+              <a:t>2020-07-16</a:t>
             </a:fld>
             <a:endParaRPr lang="ko-KR" altLang="en-US"/>
           </a:p>
@@ -3174,7 +3174,7 @@
           <a:p>
             <a:fld id="{B6FB7DCD-5BA3-48A2-BE8C-591555253DD2}" type="datetimeFigureOut">
               <a:rPr lang="ko-KR" altLang="en-US" smtClean="0"/>
-              <a:t>2020-07-15</a:t>
+              <a:t>2020-07-16</a:t>
             </a:fld>
             <a:endParaRPr lang="ko-KR" altLang="en-US"/>
           </a:p>
@@ -3350,7 +3350,7 @@
           <a:p>
             <a:fld id="{B6FB7DCD-5BA3-48A2-BE8C-591555253DD2}" type="datetimeFigureOut">
               <a:rPr lang="ko-KR" altLang="en-US" smtClean="0"/>
-              <a:t>2020-07-15</a:t>
+              <a:t>2020-07-16</a:t>
             </a:fld>
             <a:endParaRPr lang="ko-KR" altLang="en-US"/>
           </a:p>
@@ -3597,7 +3597,7 @@
           <a:p>
             <a:fld id="{B6FB7DCD-5BA3-48A2-BE8C-591555253DD2}" type="datetimeFigureOut">
               <a:rPr lang="ko-KR" altLang="en-US" smtClean="0"/>
-              <a:t>2020-07-15</a:t>
+              <a:t>2020-07-16</a:t>
             </a:fld>
             <a:endParaRPr lang="ko-KR" altLang="en-US"/>
           </a:p>
@@ -3829,7 +3829,7 @@
           <a:p>
             <a:fld id="{B6FB7DCD-5BA3-48A2-BE8C-591555253DD2}" type="datetimeFigureOut">
               <a:rPr lang="ko-KR" altLang="en-US" smtClean="0"/>
-              <a:t>2020-07-15</a:t>
+              <a:t>2020-07-16</a:t>
             </a:fld>
             <a:endParaRPr lang="ko-KR" altLang="en-US"/>
           </a:p>
@@ -4203,7 +4203,7 @@
           <a:p>
             <a:fld id="{B6FB7DCD-5BA3-48A2-BE8C-591555253DD2}" type="datetimeFigureOut">
               <a:rPr lang="ko-KR" altLang="en-US" smtClean="0"/>
-              <a:t>2020-07-15</a:t>
+              <a:t>2020-07-16</a:t>
             </a:fld>
             <a:endParaRPr lang="ko-KR" altLang="en-US"/>
           </a:p>
@@ -4326,7 +4326,7 @@
           <a:p>
             <a:fld id="{B6FB7DCD-5BA3-48A2-BE8C-591555253DD2}" type="datetimeFigureOut">
               <a:rPr lang="ko-KR" altLang="en-US" smtClean="0"/>
-              <a:t>2020-07-15</a:t>
+              <a:t>2020-07-16</a:t>
             </a:fld>
             <a:endParaRPr lang="ko-KR" altLang="en-US"/>
           </a:p>
@@ -4421,7 +4421,7 @@
           <a:p>
             <a:fld id="{B6FB7DCD-5BA3-48A2-BE8C-591555253DD2}" type="datetimeFigureOut">
               <a:rPr lang="ko-KR" altLang="en-US" smtClean="0"/>
-              <a:t>2020-07-15</a:t>
+              <a:t>2020-07-16</a:t>
             </a:fld>
             <a:endParaRPr lang="ko-KR" altLang="en-US"/>
           </a:p>
@@ -4676,7 +4676,7 @@
           <a:p>
             <a:fld id="{B6FB7DCD-5BA3-48A2-BE8C-591555253DD2}" type="datetimeFigureOut">
               <a:rPr lang="ko-KR" altLang="en-US" smtClean="0"/>
-              <a:t>2020-07-15</a:t>
+              <a:t>2020-07-16</a:t>
             </a:fld>
             <a:endParaRPr lang="ko-KR" altLang="en-US"/>
           </a:p>
@@ -4939,7 +4939,7 @@
           <a:p>
             <a:fld id="{B6FB7DCD-5BA3-48A2-BE8C-591555253DD2}" type="datetimeFigureOut">
               <a:rPr lang="ko-KR" altLang="en-US" smtClean="0"/>
-              <a:t>2020-07-15</a:t>
+              <a:t>2020-07-16</a:t>
             </a:fld>
             <a:endParaRPr lang="ko-KR" altLang="en-US"/>
           </a:p>
@@ -5682,7 +5682,7 @@
           <a:p>
             <a:fld id="{B6FB7DCD-5BA3-48A2-BE8C-591555253DD2}" type="datetimeFigureOut">
               <a:rPr lang="ko-KR" altLang="en-US" smtClean="0"/>
-              <a:t>2020-07-15</a:t>
+              <a:t>2020-07-16</a:t>
             </a:fld>
             <a:endParaRPr lang="ko-KR" altLang="en-US"/>
           </a:p>
@@ -11006,7 +11006,7 @@
                 <a:latin typeface="나눔바른고딕" panose="020B0603020101020101" pitchFamily="50" charset="-127"/>
                 <a:ea typeface="나눔바른고딕" panose="020B0603020101020101" pitchFamily="50" charset="-127"/>
               </a:rPr>
-              <a:t>개발자 </a:t>
+              <a:t>배포 서버에서 </a:t>
             </a:r>
             <a:r>
               <a:rPr lang="en-US" altLang="ko-KR" sz="1600" dirty="0">
@@ -11016,7 +11016,7 @@
                 <a:latin typeface="나눔바른고딕" panose="020B0603020101020101" pitchFamily="50" charset="-127"/>
                 <a:ea typeface="나눔바른고딕" panose="020B0603020101020101" pitchFamily="50" charset="-127"/>
               </a:rPr>
-              <a:t>PC</a:t>
+              <a:t>SSH </a:t>
             </a:r>
             <a:r>
               <a:rPr lang="ko-KR" altLang="en-US" sz="1600" dirty="0">
@@ -11026,27 +11026,7 @@
                 <a:latin typeface="나눔바른고딕" panose="020B0603020101020101" pitchFamily="50" charset="-127"/>
                 <a:ea typeface="나눔바른고딕" panose="020B0603020101020101" pitchFamily="50" charset="-127"/>
               </a:rPr>
-              <a:t>에서 </a:t>
-            </a:r>
-            <a:r>
-              <a:rPr lang="en-US" altLang="ko-KR" sz="1600" dirty="0">
-                <a:solidFill>
-                  <a:schemeClr val="tx2"/>
-                </a:solidFill>
-                <a:latin typeface="나눔바른고딕" panose="020B0603020101020101" pitchFamily="50" charset="-127"/>
-                <a:ea typeface="나눔바른고딕" panose="020B0603020101020101" pitchFamily="50" charset="-127"/>
-              </a:rPr>
-              <a:t>Git </a:t>
-            </a:r>
-            <a:r>
-              <a:rPr lang="ko-KR" altLang="en-US" sz="1600" dirty="0">
-                <a:solidFill>
-                  <a:schemeClr val="tx2"/>
-                </a:solidFill>
-                <a:latin typeface="나눔바른고딕" panose="020B0603020101020101" pitchFamily="50" charset="-127"/>
-                <a:ea typeface="나눔바른고딕" panose="020B0603020101020101" pitchFamily="50" charset="-127"/>
-              </a:rPr>
-              <a:t>설치 및 저장소 생성하기</a:t>
+              <a:t>키 생성하기</a:t>
             </a:r>
             <a:endParaRPr lang="ko-KR" altLang="ko-KR" sz="1600" dirty="0">
               <a:solidFill>
@@ -16235,7 +16215,7 @@
                 <a:latin typeface="나눔바른고딕" panose="020B0603020101020101" pitchFamily="50" charset="-127"/>
                 <a:ea typeface="나눔바른고딕" panose="020B0603020101020101" pitchFamily="50" charset="-127"/>
               </a:rPr>
-              <a:t>서버 여러 대에 애플리케이션 배포하기</a:t>
+              <a:t>서버 한 대에 애플리케이션 배포하기</a:t>
             </a:r>
           </a:p>
         </p:txBody>
